--- a/我今天為你祝福.pptx
+++ b/我今天為你祝福.pptx
@@ -8,7 +8,7 @@
     <p:sldId id="256" r:id="rId2"/>
     <p:sldId id="257" r:id="rId3"/>
   </p:sldIdLst>
-  <p:sldSz cx="9144000" cy="6858000" type="screen4x3"/>
+  <p:sldSz cx="9144000" cy="5143500" type="screen16x9"/>
   <p:notesSz cx="6858000" cy="9144000"/>
   <p:defaultTextStyle>
     <a:defPPr>
@@ -137,8 +137,8 @@
         </p:nvSpPr>
         <p:spPr>
           <a:xfrm>
-            <a:off x="685800" y="2130425"/>
-            <a:ext cx="7772400" cy="1470025"/>
+            <a:off x="685800" y="1597819"/>
+            <a:ext cx="7772400" cy="1102519"/>
           </a:xfrm>
         </p:spPr>
         <p:txBody>
@@ -165,8 +165,8 @@
         </p:nvSpPr>
         <p:spPr>
           <a:xfrm>
-            <a:off x="1371600" y="3886200"/>
-            <a:ext cx="6400800" cy="1752600"/>
+            <a:off x="1371600" y="2914650"/>
+            <a:ext cx="6400800" cy="1314450"/>
           </a:xfrm>
         </p:spPr>
         <p:txBody>
@@ -290,7 +290,7 @@
             <a:fld id="{C5CBD760-1588-44E9-B93D-5E8B8D4521E2}" type="datetimeFigureOut">
               <a:rPr lang="zh-TW" altLang="en-US" smtClean="0"/>
               <a:pPr/>
-              <a:t>2018/1/27</a:t>
+              <a:t>2020/6/27</a:t>
             </a:fld>
             <a:endParaRPr lang="zh-TW" altLang="en-US"/>
           </a:p>
@@ -457,7 +457,7 @@
             <a:fld id="{C5CBD760-1588-44E9-B93D-5E8B8D4521E2}" type="datetimeFigureOut">
               <a:rPr lang="zh-TW" altLang="en-US" smtClean="0"/>
               <a:pPr/>
-              <a:t>2018/1/27</a:t>
+              <a:t>2020/6/27</a:t>
             </a:fld>
             <a:endParaRPr lang="zh-TW" altLang="en-US"/>
           </a:p>
@@ -543,8 +543,8 @@
         </p:nvSpPr>
         <p:spPr>
           <a:xfrm>
-            <a:off x="6629400" y="274638"/>
-            <a:ext cx="2057400" cy="5851525"/>
+            <a:off x="6629400" y="205979"/>
+            <a:ext cx="2057400" cy="4388644"/>
           </a:xfrm>
         </p:spPr>
         <p:txBody>
@@ -571,8 +571,8 @@
         </p:nvSpPr>
         <p:spPr>
           <a:xfrm>
-            <a:off x="457200" y="274638"/>
-            <a:ext cx="6019800" cy="5851525"/>
+            <a:off x="457200" y="205979"/>
+            <a:ext cx="6019800" cy="4388644"/>
           </a:xfrm>
         </p:spPr>
         <p:txBody>
@@ -634,7 +634,7 @@
             <a:fld id="{C5CBD760-1588-44E9-B93D-5E8B8D4521E2}" type="datetimeFigureOut">
               <a:rPr lang="zh-TW" altLang="en-US" smtClean="0"/>
               <a:pPr/>
-              <a:t>2018/1/27</a:t>
+              <a:t>2020/6/27</a:t>
             </a:fld>
             <a:endParaRPr lang="zh-TW" altLang="en-US"/>
           </a:p>
@@ -801,7 +801,7 @@
             <a:fld id="{C5CBD760-1588-44E9-B93D-5E8B8D4521E2}" type="datetimeFigureOut">
               <a:rPr lang="zh-TW" altLang="en-US" smtClean="0"/>
               <a:pPr/>
-              <a:t>2018/1/27</a:t>
+              <a:t>2020/6/27</a:t>
             </a:fld>
             <a:endParaRPr lang="zh-TW" altLang="en-US"/>
           </a:p>
@@ -887,8 +887,8 @@
         </p:nvSpPr>
         <p:spPr>
           <a:xfrm>
-            <a:off x="722313" y="4406900"/>
-            <a:ext cx="7772400" cy="1362075"/>
+            <a:off x="722313" y="3305176"/>
+            <a:ext cx="7772400" cy="1021556"/>
           </a:xfrm>
         </p:spPr>
         <p:txBody>
@@ -919,8 +919,8 @@
         </p:nvSpPr>
         <p:spPr>
           <a:xfrm>
-            <a:off x="722313" y="2906713"/>
-            <a:ext cx="7772400" cy="1500187"/>
+            <a:off x="722313" y="2180035"/>
+            <a:ext cx="7772400" cy="1125140"/>
           </a:xfrm>
         </p:spPr>
         <p:txBody>
@@ -1044,7 +1044,7 @@
             <a:fld id="{C5CBD760-1588-44E9-B93D-5E8B8D4521E2}" type="datetimeFigureOut">
               <a:rPr lang="zh-TW" altLang="en-US" smtClean="0"/>
               <a:pPr/>
-              <a:t>2018/1/27</a:t>
+              <a:t>2020/6/27</a:t>
             </a:fld>
             <a:endParaRPr lang="zh-TW" altLang="en-US"/>
           </a:p>
@@ -1153,8 +1153,8 @@
         </p:nvSpPr>
         <p:spPr>
           <a:xfrm>
-            <a:off x="457200" y="1600200"/>
-            <a:ext cx="4038600" cy="4525963"/>
+            <a:off x="457200" y="1200151"/>
+            <a:ext cx="4038600" cy="3394472"/>
           </a:xfrm>
         </p:spPr>
         <p:txBody>
@@ -1238,8 +1238,8 @@
         </p:nvSpPr>
         <p:spPr>
           <a:xfrm>
-            <a:off x="4648200" y="1600200"/>
-            <a:ext cx="4038600" cy="4525963"/>
+            <a:off x="4648200" y="1200151"/>
+            <a:ext cx="4038600" cy="3394472"/>
           </a:xfrm>
         </p:spPr>
         <p:txBody>
@@ -1329,7 +1329,7 @@
             <a:fld id="{C5CBD760-1588-44E9-B93D-5E8B8D4521E2}" type="datetimeFigureOut">
               <a:rPr lang="zh-TW" altLang="en-US" smtClean="0"/>
               <a:pPr/>
-              <a:t>2018/1/27</a:t>
+              <a:t>2020/6/27</a:t>
             </a:fld>
             <a:endParaRPr lang="zh-TW" altLang="en-US"/>
           </a:p>
@@ -1442,8 +1442,8 @@
         </p:nvSpPr>
         <p:spPr>
           <a:xfrm>
-            <a:off x="457200" y="1535113"/>
-            <a:ext cx="4040188" cy="639762"/>
+            <a:off x="457200" y="1151335"/>
+            <a:ext cx="4040188" cy="479822"/>
           </a:xfrm>
         </p:spPr>
         <p:txBody>
@@ -1507,8 +1507,8 @@
         </p:nvSpPr>
         <p:spPr>
           <a:xfrm>
-            <a:off x="457200" y="2174875"/>
-            <a:ext cx="4040188" cy="3951288"/>
+            <a:off x="457200" y="1631156"/>
+            <a:ext cx="4040188" cy="2963466"/>
           </a:xfrm>
         </p:spPr>
         <p:txBody>
@@ -1592,8 +1592,8 @@
         </p:nvSpPr>
         <p:spPr>
           <a:xfrm>
-            <a:off x="4645025" y="1535113"/>
-            <a:ext cx="4041775" cy="639762"/>
+            <a:off x="4645026" y="1151335"/>
+            <a:ext cx="4041775" cy="479822"/>
           </a:xfrm>
         </p:spPr>
         <p:txBody>
@@ -1657,8 +1657,8 @@
         </p:nvSpPr>
         <p:spPr>
           <a:xfrm>
-            <a:off x="4645025" y="2174875"/>
-            <a:ext cx="4041775" cy="3951288"/>
+            <a:off x="4645026" y="1631156"/>
+            <a:ext cx="4041775" cy="2963466"/>
           </a:xfrm>
         </p:spPr>
         <p:txBody>
@@ -1748,7 +1748,7 @@
             <a:fld id="{C5CBD760-1588-44E9-B93D-5E8B8D4521E2}" type="datetimeFigureOut">
               <a:rPr lang="zh-TW" altLang="en-US" smtClean="0"/>
               <a:pPr/>
-              <a:t>2018/1/27</a:t>
+              <a:t>2020/6/27</a:t>
             </a:fld>
             <a:endParaRPr lang="zh-TW" altLang="en-US"/>
           </a:p>
@@ -1863,7 +1863,7 @@
             <a:fld id="{C5CBD760-1588-44E9-B93D-5E8B8D4521E2}" type="datetimeFigureOut">
               <a:rPr lang="zh-TW" altLang="en-US" smtClean="0"/>
               <a:pPr/>
-              <a:t>2018/1/27</a:t>
+              <a:t>2020/6/27</a:t>
             </a:fld>
             <a:endParaRPr lang="zh-TW" altLang="en-US"/>
           </a:p>
@@ -1955,7 +1955,7 @@
             <a:fld id="{C5CBD760-1588-44E9-B93D-5E8B8D4521E2}" type="datetimeFigureOut">
               <a:rPr lang="zh-TW" altLang="en-US" smtClean="0"/>
               <a:pPr/>
-              <a:t>2018/1/27</a:t>
+              <a:t>2020/6/27</a:t>
             </a:fld>
             <a:endParaRPr lang="zh-TW" altLang="en-US"/>
           </a:p>
@@ -2041,8 +2041,8 @@
         </p:nvSpPr>
         <p:spPr>
           <a:xfrm>
-            <a:off x="457200" y="273050"/>
-            <a:ext cx="3008313" cy="1162050"/>
+            <a:off x="457201" y="204787"/>
+            <a:ext cx="3008313" cy="871538"/>
           </a:xfrm>
         </p:spPr>
         <p:txBody>
@@ -2073,8 +2073,8 @@
         </p:nvSpPr>
         <p:spPr>
           <a:xfrm>
-            <a:off x="3575050" y="273050"/>
-            <a:ext cx="5111750" cy="5853113"/>
+            <a:off x="3575050" y="204788"/>
+            <a:ext cx="5111750" cy="4389835"/>
           </a:xfrm>
         </p:spPr>
         <p:txBody>
@@ -2158,8 +2158,8 @@
         </p:nvSpPr>
         <p:spPr>
           <a:xfrm>
-            <a:off x="457200" y="1435100"/>
-            <a:ext cx="3008313" cy="4691063"/>
+            <a:off x="457201" y="1076326"/>
+            <a:ext cx="3008313" cy="3518297"/>
           </a:xfrm>
         </p:spPr>
         <p:txBody>
@@ -2229,7 +2229,7 @@
             <a:fld id="{C5CBD760-1588-44E9-B93D-5E8B8D4521E2}" type="datetimeFigureOut">
               <a:rPr lang="zh-TW" altLang="en-US" smtClean="0"/>
               <a:pPr/>
-              <a:t>2018/1/27</a:t>
+              <a:t>2020/6/27</a:t>
             </a:fld>
             <a:endParaRPr lang="zh-TW" altLang="en-US"/>
           </a:p>
@@ -2315,8 +2315,8 @@
         </p:nvSpPr>
         <p:spPr>
           <a:xfrm>
-            <a:off x="1792288" y="4800600"/>
-            <a:ext cx="5486400" cy="566738"/>
+            <a:off x="1792288" y="3600450"/>
+            <a:ext cx="5486400" cy="425054"/>
           </a:xfrm>
         </p:spPr>
         <p:txBody>
@@ -2347,8 +2347,8 @@
         </p:nvSpPr>
         <p:spPr>
           <a:xfrm>
-            <a:off x="1792288" y="612775"/>
-            <a:ext cx="5486400" cy="4114800"/>
+            <a:off x="1792288" y="459581"/>
+            <a:ext cx="5486400" cy="3086100"/>
           </a:xfrm>
         </p:spPr>
         <p:txBody>
@@ -2412,8 +2412,8 @@
         </p:nvSpPr>
         <p:spPr>
           <a:xfrm>
-            <a:off x="1792288" y="5367338"/>
-            <a:ext cx="5486400" cy="804862"/>
+            <a:off x="1792288" y="4025503"/>
+            <a:ext cx="5486400" cy="603647"/>
           </a:xfrm>
         </p:spPr>
         <p:txBody>
@@ -2483,7 +2483,7 @@
             <a:fld id="{C5CBD760-1588-44E9-B93D-5E8B8D4521E2}" type="datetimeFigureOut">
               <a:rPr lang="zh-TW" altLang="en-US" smtClean="0"/>
               <a:pPr/>
-              <a:t>2018/1/27</a:t>
+              <a:t>2020/6/27</a:t>
             </a:fld>
             <a:endParaRPr lang="zh-TW" altLang="en-US"/>
           </a:p>
@@ -2579,8 +2579,8 @@
         </p:nvSpPr>
         <p:spPr>
           <a:xfrm>
-            <a:off x="457200" y="274638"/>
-            <a:ext cx="8229600" cy="1143000"/>
+            <a:off x="457200" y="205978"/>
+            <a:ext cx="8229600" cy="857250"/>
           </a:xfrm>
           <a:prstGeom prst="rect">
             <a:avLst/>
@@ -2612,8 +2612,8 @@
         </p:nvSpPr>
         <p:spPr>
           <a:xfrm>
-            <a:off x="457200" y="1600200"/>
-            <a:ext cx="8229600" cy="4525963"/>
+            <a:off x="457200" y="1200151"/>
+            <a:ext cx="8229600" cy="3394472"/>
           </a:xfrm>
           <a:prstGeom prst="rect">
             <a:avLst/>
@@ -2674,8 +2674,8 @@
         </p:nvSpPr>
         <p:spPr>
           <a:xfrm>
-            <a:off x="457200" y="6356350"/>
-            <a:ext cx="2133600" cy="365125"/>
+            <a:off x="457200" y="4767263"/>
+            <a:ext cx="2133600" cy="273844"/>
           </a:xfrm>
           <a:prstGeom prst="rect">
             <a:avLst/>
@@ -2698,7 +2698,7 @@
             <a:fld id="{C5CBD760-1588-44E9-B93D-5E8B8D4521E2}" type="datetimeFigureOut">
               <a:rPr lang="zh-TW" altLang="en-US" smtClean="0"/>
               <a:pPr/>
-              <a:t>2018/1/27</a:t>
+              <a:t>2020/6/27</a:t>
             </a:fld>
             <a:endParaRPr lang="zh-TW" altLang="en-US"/>
           </a:p>
@@ -2716,8 +2716,8 @@
         </p:nvSpPr>
         <p:spPr>
           <a:xfrm>
-            <a:off x="3124200" y="6356350"/>
-            <a:ext cx="2895600" cy="365125"/>
+            <a:off x="3124200" y="4767263"/>
+            <a:ext cx="2895600" cy="273844"/>
           </a:xfrm>
           <a:prstGeom prst="rect">
             <a:avLst/>
@@ -2753,8 +2753,8 @@
         </p:nvSpPr>
         <p:spPr>
           <a:xfrm>
-            <a:off x="6553200" y="6356350"/>
-            <a:ext cx="2133600" cy="365125"/>
+            <a:off x="6553200" y="4767263"/>
+            <a:ext cx="2133600" cy="273844"/>
           </a:xfrm>
           <a:prstGeom prst="rect">
             <a:avLst/>
@@ -3117,7 +3117,7 @@
         <p:spPr/>
         <p:txBody>
           <a:bodyPr>
-            <a:normAutofit/>
+            <a:normAutofit fontScale="92500" lnSpcReduction="10000"/>
           </a:bodyPr>
           <a:lstStyle/>
           <a:p>
@@ -3283,7 +3283,7 @@
         <p:spPr/>
         <p:txBody>
           <a:bodyPr>
-            <a:normAutofit/>
+            <a:normAutofit fontScale="92500" lnSpcReduction="10000"/>
           </a:bodyPr>
           <a:lstStyle/>
           <a:p>

--- a/我今天為你祝福.pptx
+++ b/我今天為你祝福.pptx
@@ -5,8 +5,11 @@
     <p:sldMasterId id="2147483672" r:id="rId1"/>
   </p:sldMasterIdLst>
   <p:sldIdLst>
-    <p:sldId id="256" r:id="rId2"/>
-    <p:sldId id="257" r:id="rId3"/>
+    <p:sldId id="353" r:id="rId2"/>
+    <p:sldId id="390" r:id="rId3"/>
+    <p:sldId id="463" r:id="rId4"/>
+    <p:sldId id="464" r:id="rId5"/>
+    <p:sldId id="465" r:id="rId6"/>
   </p:sldIdLst>
   <p:sldSz cx="9144000" cy="5143500" type="screen16x9"/>
   <p:notesSz cx="6858000" cy="9144000"/>
@@ -105,6 +108,22 @@
       </a:defRPr>
     </a:lvl9pPr>
   </p:defaultTextStyle>
+  <p:extLst>
+    <p:ext uri="{EFAFB233-063F-42B5-8137-9DF3F51BA10A}">
+      <p15:sldGuideLst xmlns:p15="http://schemas.microsoft.com/office/powerpoint/2012/main">
+        <p15:guide id="1" orient="horz" pos="1620">
+          <p15:clr>
+            <a:srgbClr val="A4A3A4"/>
+          </p15:clr>
+        </p15:guide>
+        <p15:guide id="2" pos="2880">
+          <p15:clr>
+            <a:srgbClr val="A4A3A4"/>
+          </p15:clr>
+        </p15:guide>
+      </p15:sldGuideLst>
+    </p:ext>
+  </p:extLst>
 </p:presentation>
 </file>
 
@@ -146,10 +165,9 @@
           <a:lstStyle/>
           <a:p>
             <a:r>
-              <a:rPr lang="zh-TW" altLang="en-US" smtClean="0"/>
+              <a:rPr lang="zh-TW" altLang="en-US"/>
               <a:t>按一下以編輯母片標題樣式</a:t>
             </a:r>
-            <a:endParaRPr lang="zh-TW" altLang="en-US"/>
           </a:p>
         </p:txBody>
       </p:sp>
@@ -265,10 +283,9 @@
           </a:lstStyle>
           <a:p>
             <a:r>
-              <a:rPr lang="zh-TW" altLang="en-US" smtClean="0"/>
+              <a:rPr lang="zh-TW" altLang="en-US"/>
               <a:t>按一下以編輯母片副標題樣式</a:t>
             </a:r>
-            <a:endParaRPr lang="zh-TW" altLang="en-US"/>
           </a:p>
         </p:txBody>
       </p:sp>
@@ -290,7 +307,7 @@
             <a:fld id="{C5CBD760-1588-44E9-B93D-5E8B8D4521E2}" type="datetimeFigureOut">
               <a:rPr lang="zh-TW" altLang="en-US" smtClean="0"/>
               <a:pPr/>
-              <a:t>2020/6/27</a:t>
+              <a:t>2024/2/24</a:t>
             </a:fld>
             <a:endParaRPr lang="zh-TW" altLang="en-US"/>
           </a:p>
@@ -380,10 +397,9 @@
           <a:lstStyle/>
           <a:p>
             <a:r>
-              <a:rPr lang="zh-TW" altLang="en-US" smtClean="0"/>
+              <a:rPr lang="zh-TW" altLang="en-US"/>
               <a:t>按一下以編輯母片標題樣式</a:t>
             </a:r>
-            <a:endParaRPr lang="zh-TW" altLang="en-US"/>
           </a:p>
         </p:txBody>
       </p:sp>
@@ -404,38 +420,37 @@
           <a:p>
             <a:pPr lvl="0"/>
             <a:r>
-              <a:rPr lang="zh-TW" altLang="en-US" smtClean="0"/>
+              <a:rPr lang="zh-TW" altLang="en-US"/>
               <a:t>按一下以編輯母片文字樣式</a:t>
             </a:r>
           </a:p>
           <a:p>
             <a:pPr lvl="1"/>
             <a:r>
-              <a:rPr lang="zh-TW" altLang="en-US" smtClean="0"/>
+              <a:rPr lang="zh-TW" altLang="en-US"/>
               <a:t>第二層</a:t>
             </a:r>
           </a:p>
           <a:p>
             <a:pPr lvl="2"/>
             <a:r>
-              <a:rPr lang="zh-TW" altLang="en-US" smtClean="0"/>
+              <a:rPr lang="zh-TW" altLang="en-US"/>
               <a:t>第三層</a:t>
             </a:r>
           </a:p>
           <a:p>
             <a:pPr lvl="3"/>
             <a:r>
-              <a:rPr lang="zh-TW" altLang="en-US" smtClean="0"/>
+              <a:rPr lang="zh-TW" altLang="en-US"/>
               <a:t>第四層</a:t>
             </a:r>
           </a:p>
           <a:p>
             <a:pPr lvl="4"/>
             <a:r>
-              <a:rPr lang="zh-TW" altLang="en-US" smtClean="0"/>
+              <a:rPr lang="zh-TW" altLang="en-US"/>
               <a:t>第五層</a:t>
             </a:r>
-            <a:endParaRPr lang="zh-TW" altLang="en-US"/>
           </a:p>
         </p:txBody>
       </p:sp>
@@ -457,7 +472,7 @@
             <a:fld id="{C5CBD760-1588-44E9-B93D-5E8B8D4521E2}" type="datetimeFigureOut">
               <a:rPr lang="zh-TW" altLang="en-US" smtClean="0"/>
               <a:pPr/>
-              <a:t>2020/6/27</a:t>
+              <a:t>2024/2/24</a:t>
             </a:fld>
             <a:endParaRPr lang="zh-TW" altLang="en-US"/>
           </a:p>
@@ -552,10 +567,9 @@
           <a:lstStyle/>
           <a:p>
             <a:r>
-              <a:rPr lang="zh-TW" altLang="en-US" smtClean="0"/>
+              <a:rPr lang="zh-TW" altLang="en-US"/>
               <a:t>按一下以編輯母片標題樣式</a:t>
             </a:r>
-            <a:endParaRPr lang="zh-TW" altLang="en-US"/>
           </a:p>
         </p:txBody>
       </p:sp>
@@ -581,38 +595,37 @@
           <a:p>
             <a:pPr lvl="0"/>
             <a:r>
-              <a:rPr lang="zh-TW" altLang="en-US" smtClean="0"/>
+              <a:rPr lang="zh-TW" altLang="en-US"/>
               <a:t>按一下以編輯母片文字樣式</a:t>
             </a:r>
           </a:p>
           <a:p>
             <a:pPr lvl="1"/>
             <a:r>
-              <a:rPr lang="zh-TW" altLang="en-US" smtClean="0"/>
+              <a:rPr lang="zh-TW" altLang="en-US"/>
               <a:t>第二層</a:t>
             </a:r>
           </a:p>
           <a:p>
             <a:pPr lvl="2"/>
             <a:r>
-              <a:rPr lang="zh-TW" altLang="en-US" smtClean="0"/>
+              <a:rPr lang="zh-TW" altLang="en-US"/>
               <a:t>第三層</a:t>
             </a:r>
           </a:p>
           <a:p>
             <a:pPr lvl="3"/>
             <a:r>
-              <a:rPr lang="zh-TW" altLang="en-US" smtClean="0"/>
+              <a:rPr lang="zh-TW" altLang="en-US"/>
               <a:t>第四層</a:t>
             </a:r>
           </a:p>
           <a:p>
             <a:pPr lvl="4"/>
             <a:r>
-              <a:rPr lang="zh-TW" altLang="en-US" smtClean="0"/>
+              <a:rPr lang="zh-TW" altLang="en-US"/>
               <a:t>第五層</a:t>
             </a:r>
-            <a:endParaRPr lang="zh-TW" altLang="en-US"/>
           </a:p>
         </p:txBody>
       </p:sp>
@@ -634,7 +647,7 @@
             <a:fld id="{C5CBD760-1588-44E9-B93D-5E8B8D4521E2}" type="datetimeFigureOut">
               <a:rPr lang="zh-TW" altLang="en-US" smtClean="0"/>
               <a:pPr/>
-              <a:t>2020/6/27</a:t>
+              <a:t>2024/2/24</a:t>
             </a:fld>
             <a:endParaRPr lang="zh-TW" altLang="en-US"/>
           </a:p>
@@ -724,10 +737,9 @@
           <a:lstStyle/>
           <a:p>
             <a:r>
-              <a:rPr lang="zh-TW" altLang="en-US" smtClean="0"/>
+              <a:rPr lang="zh-TW" altLang="en-US"/>
               <a:t>按一下以編輯母片標題樣式</a:t>
             </a:r>
-            <a:endParaRPr lang="zh-TW" altLang="en-US"/>
           </a:p>
         </p:txBody>
       </p:sp>
@@ -748,38 +760,37 @@
           <a:p>
             <a:pPr lvl="0"/>
             <a:r>
-              <a:rPr lang="zh-TW" altLang="en-US" smtClean="0"/>
+              <a:rPr lang="zh-TW" altLang="en-US"/>
               <a:t>按一下以編輯母片文字樣式</a:t>
             </a:r>
           </a:p>
           <a:p>
             <a:pPr lvl="1"/>
             <a:r>
-              <a:rPr lang="zh-TW" altLang="en-US" smtClean="0"/>
+              <a:rPr lang="zh-TW" altLang="en-US"/>
               <a:t>第二層</a:t>
             </a:r>
           </a:p>
           <a:p>
             <a:pPr lvl="2"/>
             <a:r>
-              <a:rPr lang="zh-TW" altLang="en-US" smtClean="0"/>
+              <a:rPr lang="zh-TW" altLang="en-US"/>
               <a:t>第三層</a:t>
             </a:r>
           </a:p>
           <a:p>
             <a:pPr lvl="3"/>
             <a:r>
-              <a:rPr lang="zh-TW" altLang="en-US" smtClean="0"/>
+              <a:rPr lang="zh-TW" altLang="en-US"/>
               <a:t>第四層</a:t>
             </a:r>
           </a:p>
           <a:p>
             <a:pPr lvl="4"/>
             <a:r>
-              <a:rPr lang="zh-TW" altLang="en-US" smtClean="0"/>
+              <a:rPr lang="zh-TW" altLang="en-US"/>
               <a:t>第五層</a:t>
             </a:r>
-            <a:endParaRPr lang="zh-TW" altLang="en-US"/>
           </a:p>
         </p:txBody>
       </p:sp>
@@ -801,7 +812,7 @@
             <a:fld id="{C5CBD760-1588-44E9-B93D-5E8B8D4521E2}" type="datetimeFigureOut">
               <a:rPr lang="zh-TW" altLang="en-US" smtClean="0"/>
               <a:pPr/>
-              <a:t>2020/6/27</a:t>
+              <a:t>2024/2/24</a:t>
             </a:fld>
             <a:endParaRPr lang="zh-TW" altLang="en-US"/>
           </a:p>
@@ -900,10 +911,9 @@
           </a:lstStyle>
           <a:p>
             <a:r>
-              <a:rPr lang="zh-TW" altLang="en-US" smtClean="0"/>
+              <a:rPr lang="zh-TW" altLang="en-US"/>
               <a:t>按一下以編輯母片標題樣式</a:t>
             </a:r>
-            <a:endParaRPr lang="zh-TW" altLang="en-US"/>
           </a:p>
         </p:txBody>
       </p:sp>
@@ -1020,7 +1030,7 @@
           <a:p>
             <a:pPr lvl="0"/>
             <a:r>
-              <a:rPr lang="zh-TW" altLang="en-US" smtClean="0"/>
+              <a:rPr lang="zh-TW" altLang="en-US"/>
               <a:t>按一下以編輯母片文字樣式</a:t>
             </a:r>
           </a:p>
@@ -1044,7 +1054,7 @@
             <a:fld id="{C5CBD760-1588-44E9-B93D-5E8B8D4521E2}" type="datetimeFigureOut">
               <a:rPr lang="zh-TW" altLang="en-US" smtClean="0"/>
               <a:pPr/>
-              <a:t>2020/6/27</a:t>
+              <a:t>2024/2/24</a:t>
             </a:fld>
             <a:endParaRPr lang="zh-TW" altLang="en-US"/>
           </a:p>
@@ -1134,10 +1144,9 @@
           <a:lstStyle/>
           <a:p>
             <a:r>
-              <a:rPr lang="zh-TW" altLang="en-US" smtClean="0"/>
+              <a:rPr lang="zh-TW" altLang="en-US"/>
               <a:t>按一下以編輯母片標題樣式</a:t>
             </a:r>
-            <a:endParaRPr lang="zh-TW" altLang="en-US"/>
           </a:p>
         </p:txBody>
       </p:sp>
@@ -1191,38 +1200,37 @@
           <a:p>
             <a:pPr lvl="0"/>
             <a:r>
-              <a:rPr lang="zh-TW" altLang="en-US" smtClean="0"/>
+              <a:rPr lang="zh-TW" altLang="en-US"/>
               <a:t>按一下以編輯母片文字樣式</a:t>
             </a:r>
           </a:p>
           <a:p>
             <a:pPr lvl="1"/>
             <a:r>
-              <a:rPr lang="zh-TW" altLang="en-US" smtClean="0"/>
+              <a:rPr lang="zh-TW" altLang="en-US"/>
               <a:t>第二層</a:t>
             </a:r>
           </a:p>
           <a:p>
             <a:pPr lvl="2"/>
             <a:r>
-              <a:rPr lang="zh-TW" altLang="en-US" smtClean="0"/>
+              <a:rPr lang="zh-TW" altLang="en-US"/>
               <a:t>第三層</a:t>
             </a:r>
           </a:p>
           <a:p>
             <a:pPr lvl="3"/>
             <a:r>
-              <a:rPr lang="zh-TW" altLang="en-US" smtClean="0"/>
+              <a:rPr lang="zh-TW" altLang="en-US"/>
               <a:t>第四層</a:t>
             </a:r>
           </a:p>
           <a:p>
             <a:pPr lvl="4"/>
             <a:r>
-              <a:rPr lang="zh-TW" altLang="en-US" smtClean="0"/>
+              <a:rPr lang="zh-TW" altLang="en-US"/>
               <a:t>第五層</a:t>
             </a:r>
-            <a:endParaRPr lang="zh-TW" altLang="en-US"/>
           </a:p>
         </p:txBody>
       </p:sp>
@@ -1276,38 +1284,37 @@
           <a:p>
             <a:pPr lvl="0"/>
             <a:r>
-              <a:rPr lang="zh-TW" altLang="en-US" smtClean="0"/>
+              <a:rPr lang="zh-TW" altLang="en-US"/>
               <a:t>按一下以編輯母片文字樣式</a:t>
             </a:r>
           </a:p>
           <a:p>
             <a:pPr lvl="1"/>
             <a:r>
-              <a:rPr lang="zh-TW" altLang="en-US" smtClean="0"/>
+              <a:rPr lang="zh-TW" altLang="en-US"/>
               <a:t>第二層</a:t>
             </a:r>
           </a:p>
           <a:p>
             <a:pPr lvl="2"/>
             <a:r>
-              <a:rPr lang="zh-TW" altLang="en-US" smtClean="0"/>
+              <a:rPr lang="zh-TW" altLang="en-US"/>
               <a:t>第三層</a:t>
             </a:r>
           </a:p>
           <a:p>
             <a:pPr lvl="3"/>
             <a:r>
-              <a:rPr lang="zh-TW" altLang="en-US" smtClean="0"/>
+              <a:rPr lang="zh-TW" altLang="en-US"/>
               <a:t>第四層</a:t>
             </a:r>
           </a:p>
           <a:p>
             <a:pPr lvl="4"/>
             <a:r>
-              <a:rPr lang="zh-TW" altLang="en-US" smtClean="0"/>
+              <a:rPr lang="zh-TW" altLang="en-US"/>
               <a:t>第五層</a:t>
             </a:r>
-            <a:endParaRPr lang="zh-TW" altLang="en-US"/>
           </a:p>
         </p:txBody>
       </p:sp>
@@ -1329,7 +1336,7 @@
             <a:fld id="{C5CBD760-1588-44E9-B93D-5E8B8D4521E2}" type="datetimeFigureOut">
               <a:rPr lang="zh-TW" altLang="en-US" smtClean="0"/>
               <a:pPr/>
-              <a:t>2020/6/27</a:t>
+              <a:t>2024/2/24</a:t>
             </a:fld>
             <a:endParaRPr lang="zh-TW" altLang="en-US"/>
           </a:p>
@@ -1423,10 +1430,9 @@
           </a:lstStyle>
           <a:p>
             <a:r>
-              <a:rPr lang="zh-TW" altLang="en-US" smtClean="0"/>
+              <a:rPr lang="zh-TW" altLang="en-US"/>
               <a:t>按一下以編輯母片標題樣式</a:t>
             </a:r>
-            <a:endParaRPr lang="zh-TW" altLang="en-US"/>
           </a:p>
         </p:txBody>
       </p:sp>
@@ -1489,7 +1495,7 @@
           <a:p>
             <a:pPr lvl="0"/>
             <a:r>
-              <a:rPr lang="zh-TW" altLang="en-US" smtClean="0"/>
+              <a:rPr lang="zh-TW" altLang="en-US"/>
               <a:t>按一下以編輯母片文字樣式</a:t>
             </a:r>
           </a:p>
@@ -1545,38 +1551,37 @@
           <a:p>
             <a:pPr lvl="0"/>
             <a:r>
-              <a:rPr lang="zh-TW" altLang="en-US" smtClean="0"/>
+              <a:rPr lang="zh-TW" altLang="en-US"/>
               <a:t>按一下以編輯母片文字樣式</a:t>
             </a:r>
           </a:p>
           <a:p>
             <a:pPr lvl="1"/>
             <a:r>
-              <a:rPr lang="zh-TW" altLang="en-US" smtClean="0"/>
+              <a:rPr lang="zh-TW" altLang="en-US"/>
               <a:t>第二層</a:t>
             </a:r>
           </a:p>
           <a:p>
             <a:pPr lvl="2"/>
             <a:r>
-              <a:rPr lang="zh-TW" altLang="en-US" smtClean="0"/>
+              <a:rPr lang="zh-TW" altLang="en-US"/>
               <a:t>第三層</a:t>
             </a:r>
           </a:p>
           <a:p>
             <a:pPr lvl="3"/>
             <a:r>
-              <a:rPr lang="zh-TW" altLang="en-US" smtClean="0"/>
+              <a:rPr lang="zh-TW" altLang="en-US"/>
               <a:t>第四層</a:t>
             </a:r>
           </a:p>
           <a:p>
             <a:pPr lvl="4"/>
             <a:r>
-              <a:rPr lang="zh-TW" altLang="en-US" smtClean="0"/>
+              <a:rPr lang="zh-TW" altLang="en-US"/>
               <a:t>第五層</a:t>
             </a:r>
-            <a:endParaRPr lang="zh-TW" altLang="en-US"/>
           </a:p>
         </p:txBody>
       </p:sp>
@@ -1639,7 +1644,7 @@
           <a:p>
             <a:pPr lvl="0"/>
             <a:r>
-              <a:rPr lang="zh-TW" altLang="en-US" smtClean="0"/>
+              <a:rPr lang="zh-TW" altLang="en-US"/>
               <a:t>按一下以編輯母片文字樣式</a:t>
             </a:r>
           </a:p>
@@ -1695,38 +1700,37 @@
           <a:p>
             <a:pPr lvl="0"/>
             <a:r>
-              <a:rPr lang="zh-TW" altLang="en-US" smtClean="0"/>
+              <a:rPr lang="zh-TW" altLang="en-US"/>
               <a:t>按一下以編輯母片文字樣式</a:t>
             </a:r>
           </a:p>
           <a:p>
             <a:pPr lvl="1"/>
             <a:r>
-              <a:rPr lang="zh-TW" altLang="en-US" smtClean="0"/>
+              <a:rPr lang="zh-TW" altLang="en-US"/>
               <a:t>第二層</a:t>
             </a:r>
           </a:p>
           <a:p>
             <a:pPr lvl="2"/>
             <a:r>
-              <a:rPr lang="zh-TW" altLang="en-US" smtClean="0"/>
+              <a:rPr lang="zh-TW" altLang="en-US"/>
               <a:t>第三層</a:t>
             </a:r>
           </a:p>
           <a:p>
             <a:pPr lvl="3"/>
             <a:r>
-              <a:rPr lang="zh-TW" altLang="en-US" smtClean="0"/>
+              <a:rPr lang="zh-TW" altLang="en-US"/>
               <a:t>第四層</a:t>
             </a:r>
           </a:p>
           <a:p>
             <a:pPr lvl="4"/>
             <a:r>
-              <a:rPr lang="zh-TW" altLang="en-US" smtClean="0"/>
+              <a:rPr lang="zh-TW" altLang="en-US"/>
               <a:t>第五層</a:t>
             </a:r>
-            <a:endParaRPr lang="zh-TW" altLang="en-US"/>
           </a:p>
         </p:txBody>
       </p:sp>
@@ -1748,7 +1752,7 @@
             <a:fld id="{C5CBD760-1588-44E9-B93D-5E8B8D4521E2}" type="datetimeFigureOut">
               <a:rPr lang="zh-TW" altLang="en-US" smtClean="0"/>
               <a:pPr/>
-              <a:t>2020/6/27</a:t>
+              <a:t>2024/2/24</a:t>
             </a:fld>
             <a:endParaRPr lang="zh-TW" altLang="en-US"/>
           </a:p>
@@ -1838,10 +1842,9 @@
           <a:lstStyle/>
           <a:p>
             <a:r>
-              <a:rPr lang="zh-TW" altLang="en-US" smtClean="0"/>
+              <a:rPr lang="zh-TW" altLang="en-US"/>
               <a:t>按一下以編輯母片標題樣式</a:t>
             </a:r>
-            <a:endParaRPr lang="zh-TW" altLang="en-US"/>
           </a:p>
         </p:txBody>
       </p:sp>
@@ -1863,7 +1866,7 @@
             <a:fld id="{C5CBD760-1588-44E9-B93D-5E8B8D4521E2}" type="datetimeFigureOut">
               <a:rPr lang="zh-TW" altLang="en-US" smtClean="0"/>
               <a:pPr/>
-              <a:t>2020/6/27</a:t>
+              <a:t>2024/2/24</a:t>
             </a:fld>
             <a:endParaRPr lang="zh-TW" altLang="en-US"/>
           </a:p>
@@ -1955,7 +1958,7 @@
             <a:fld id="{C5CBD760-1588-44E9-B93D-5E8B8D4521E2}" type="datetimeFigureOut">
               <a:rPr lang="zh-TW" altLang="en-US" smtClean="0"/>
               <a:pPr/>
-              <a:t>2020/6/27</a:t>
+              <a:t>2024/2/24</a:t>
             </a:fld>
             <a:endParaRPr lang="zh-TW" altLang="en-US"/>
           </a:p>
@@ -2054,10 +2057,9 @@
           </a:lstStyle>
           <a:p>
             <a:r>
-              <a:rPr lang="zh-TW" altLang="en-US" smtClean="0"/>
+              <a:rPr lang="zh-TW" altLang="en-US"/>
               <a:t>按一下以編輯母片標題樣式</a:t>
             </a:r>
-            <a:endParaRPr lang="zh-TW" altLang="en-US"/>
           </a:p>
         </p:txBody>
       </p:sp>
@@ -2111,38 +2113,37 @@
           <a:p>
             <a:pPr lvl="0"/>
             <a:r>
-              <a:rPr lang="zh-TW" altLang="en-US" smtClean="0"/>
+              <a:rPr lang="zh-TW" altLang="en-US"/>
               <a:t>按一下以編輯母片文字樣式</a:t>
             </a:r>
           </a:p>
           <a:p>
             <a:pPr lvl="1"/>
             <a:r>
-              <a:rPr lang="zh-TW" altLang="en-US" smtClean="0"/>
+              <a:rPr lang="zh-TW" altLang="en-US"/>
               <a:t>第二層</a:t>
             </a:r>
           </a:p>
           <a:p>
             <a:pPr lvl="2"/>
             <a:r>
-              <a:rPr lang="zh-TW" altLang="en-US" smtClean="0"/>
+              <a:rPr lang="zh-TW" altLang="en-US"/>
               <a:t>第三層</a:t>
             </a:r>
           </a:p>
           <a:p>
             <a:pPr lvl="3"/>
             <a:r>
-              <a:rPr lang="zh-TW" altLang="en-US" smtClean="0"/>
+              <a:rPr lang="zh-TW" altLang="en-US"/>
               <a:t>第四層</a:t>
             </a:r>
           </a:p>
           <a:p>
             <a:pPr lvl="4"/>
             <a:r>
-              <a:rPr lang="zh-TW" altLang="en-US" smtClean="0"/>
+              <a:rPr lang="zh-TW" altLang="en-US"/>
               <a:t>第五層</a:t>
             </a:r>
-            <a:endParaRPr lang="zh-TW" altLang="en-US"/>
           </a:p>
         </p:txBody>
       </p:sp>
@@ -2205,7 +2206,7 @@
           <a:p>
             <a:pPr lvl="0"/>
             <a:r>
-              <a:rPr lang="zh-TW" altLang="en-US" smtClean="0"/>
+              <a:rPr lang="zh-TW" altLang="en-US"/>
               <a:t>按一下以編輯母片文字樣式</a:t>
             </a:r>
           </a:p>
@@ -2229,7 +2230,7 @@
             <a:fld id="{C5CBD760-1588-44E9-B93D-5E8B8D4521E2}" type="datetimeFigureOut">
               <a:rPr lang="zh-TW" altLang="en-US" smtClean="0"/>
               <a:pPr/>
-              <a:t>2020/6/27</a:t>
+              <a:t>2024/2/24</a:t>
             </a:fld>
             <a:endParaRPr lang="zh-TW" altLang="en-US"/>
           </a:p>
@@ -2328,10 +2329,9 @@
           </a:lstStyle>
           <a:p>
             <a:r>
-              <a:rPr lang="zh-TW" altLang="en-US" smtClean="0"/>
+              <a:rPr lang="zh-TW" altLang="en-US"/>
               <a:t>按一下以編輯母片標題樣式</a:t>
             </a:r>
-            <a:endParaRPr lang="zh-TW" altLang="en-US"/>
           </a:p>
         </p:txBody>
       </p:sp>
@@ -2393,10 +2393,9 @@
           </a:lstStyle>
           <a:p>
             <a:r>
-              <a:rPr lang="zh-TW" altLang="en-US" smtClean="0"/>
+              <a:rPr lang="zh-TW" altLang="en-US"/>
               <a:t>按一下圖示以新增圖片</a:t>
             </a:r>
-            <a:endParaRPr lang="zh-TW" altLang="en-US"/>
           </a:p>
         </p:txBody>
       </p:sp>
@@ -2459,7 +2458,7 @@
           <a:p>
             <a:pPr lvl="0"/>
             <a:r>
-              <a:rPr lang="zh-TW" altLang="en-US" smtClean="0"/>
+              <a:rPr lang="zh-TW" altLang="en-US"/>
               <a:t>按一下以編輯母片文字樣式</a:t>
             </a:r>
           </a:p>
@@ -2483,7 +2482,7 @@
             <a:fld id="{C5CBD760-1588-44E9-B93D-5E8B8D4521E2}" type="datetimeFigureOut">
               <a:rPr lang="zh-TW" altLang="en-US" smtClean="0"/>
               <a:pPr/>
-              <a:t>2020/6/27</a:t>
+              <a:t>2024/2/24</a:t>
             </a:fld>
             <a:endParaRPr lang="zh-TW" altLang="en-US"/>
           </a:p>
@@ -2593,10 +2592,9 @@
           <a:lstStyle/>
           <a:p>
             <a:r>
-              <a:rPr lang="zh-TW" altLang="en-US" smtClean="0"/>
+              <a:rPr lang="zh-TW" altLang="en-US"/>
               <a:t>按一下以編輯母片標題樣式</a:t>
             </a:r>
-            <a:endParaRPr lang="zh-TW" altLang="en-US"/>
           </a:p>
         </p:txBody>
       </p:sp>
@@ -2627,38 +2625,37 @@
           <a:p>
             <a:pPr lvl="0"/>
             <a:r>
-              <a:rPr lang="zh-TW" altLang="en-US" smtClean="0"/>
+              <a:rPr lang="zh-TW" altLang="en-US"/>
               <a:t>按一下以編輯母片文字樣式</a:t>
             </a:r>
           </a:p>
           <a:p>
             <a:pPr lvl="1"/>
             <a:r>
-              <a:rPr lang="zh-TW" altLang="en-US" smtClean="0"/>
+              <a:rPr lang="zh-TW" altLang="en-US"/>
               <a:t>第二層</a:t>
             </a:r>
           </a:p>
           <a:p>
             <a:pPr lvl="2"/>
             <a:r>
-              <a:rPr lang="zh-TW" altLang="en-US" smtClean="0"/>
+              <a:rPr lang="zh-TW" altLang="en-US"/>
               <a:t>第三層</a:t>
             </a:r>
           </a:p>
           <a:p>
             <a:pPr lvl="3"/>
             <a:r>
-              <a:rPr lang="zh-TW" altLang="en-US" smtClean="0"/>
+              <a:rPr lang="zh-TW" altLang="en-US"/>
               <a:t>第四層</a:t>
             </a:r>
           </a:p>
           <a:p>
             <a:pPr lvl="4"/>
             <a:r>
-              <a:rPr lang="zh-TW" altLang="en-US" smtClean="0"/>
+              <a:rPr lang="zh-TW" altLang="en-US"/>
               <a:t>第五層</a:t>
             </a:r>
-            <a:endParaRPr lang="zh-TW" altLang="en-US"/>
           </a:p>
         </p:txBody>
       </p:sp>
@@ -2698,7 +2695,7 @@
             <a:fld id="{C5CBD760-1588-44E9-B93D-5E8B8D4521E2}" type="datetimeFigureOut">
               <a:rPr lang="zh-TW" altLang="en-US" smtClean="0"/>
               <a:pPr/>
-              <a:t>2020/6/27</a:t>
+              <a:t>2024/2/24</a:t>
             </a:fld>
             <a:endParaRPr lang="zh-TW" altLang="en-US"/>
           </a:p>
@@ -3079,131 +3076,46 @@
             <p:ph type="title"/>
           </p:nvPr>
         </p:nvSpPr>
-        <p:spPr/>
-        <p:txBody>
-          <a:bodyPr/>
-          <a:lstStyle/>
-          <a:p>
-            <a:r>
-              <a:rPr lang="zh-CN" altLang="en-US" b="1" dirty="0" smtClean="0">
+        <p:spPr>
+          <a:xfrm>
+            <a:off x="0" y="1995686"/>
+            <a:ext cx="9144000" cy="857250"/>
+          </a:xfrm>
+        </p:spPr>
+        <p:txBody>
+          <a:bodyPr>
+            <a:noAutofit/>
+          </a:bodyPr>
+          <a:lstStyle/>
+          <a:p>
+            <a:r>
+              <a:rPr lang="zh-CN" altLang="en-US" sz="5400" b="1" i="1" dirty="0">
                 <a:solidFill>
                   <a:srgbClr val="000066"/>
                 </a:solidFill>
+                <a:effectLst>
+                  <a:outerShdw blurRad="38100" dist="38100" dir="2700000" algn="tl">
+                    <a:srgbClr val="000000">
+                      <a:alpha val="43137"/>
+                    </a:srgbClr>
+                  </a:outerShdw>
+                </a:effectLst>
                 <a:latin typeface="微軟正黑體" pitchFamily="34" charset="-120"/>
                 <a:ea typeface="微軟正黑體" pitchFamily="34" charset="-120"/>
               </a:rPr>
               <a:t>我今天為你祝福</a:t>
             </a:r>
-            <a:endParaRPr lang="zh-TW" altLang="en-US" b="1" dirty="0">
+            <a:endParaRPr lang="zh-TW" altLang="en-US" sz="5400" b="1" i="1" dirty="0">
               <a:solidFill>
                 <a:srgbClr val="000066"/>
               </a:solidFill>
-              <a:latin typeface="微軟正黑體" pitchFamily="34" charset="-120"/>
-              <a:ea typeface="微軟正黑體" pitchFamily="34" charset="-120"/>
-            </a:endParaRPr>
-          </a:p>
-        </p:txBody>
-      </p:sp>
-      <p:sp>
-        <p:nvSpPr>
-          <p:cNvPr id="5" name="內容版面配置區 4"/>
-          <p:cNvSpPr>
-            <a:spLocks noGrp="1"/>
-          </p:cNvSpPr>
-          <p:nvPr>
-            <p:ph idx="1"/>
-          </p:nvPr>
-        </p:nvSpPr>
-        <p:spPr/>
-        <p:txBody>
-          <a:bodyPr>
-            <a:normAutofit fontScale="92500" lnSpcReduction="10000"/>
-          </a:bodyPr>
-          <a:lstStyle/>
-          <a:p>
-            <a:pPr algn="ctr">
-              <a:buNone/>
-            </a:pPr>
-            <a:r>
-              <a:rPr lang="zh-CN" altLang="en-US" sz="5400" b="1" dirty="0" smtClean="0">
-                <a:solidFill>
-                  <a:srgbClr val="000066"/>
-                </a:solidFill>
-                <a:latin typeface="微軟正黑體" pitchFamily="34" charset="-120"/>
-                <a:ea typeface="微軟正黑體" pitchFamily="34" charset="-120"/>
-              </a:rPr>
-              <a:t>我今天為你祝福</a:t>
-            </a:r>
-            <a:endParaRPr lang="en-US" altLang="zh-CN" sz="5400" b="1" dirty="0" smtClean="0">
-              <a:solidFill>
-                <a:srgbClr val="000066"/>
-              </a:solidFill>
-              <a:latin typeface="微軟正黑體" pitchFamily="34" charset="-120"/>
-              <a:ea typeface="微軟正黑體" pitchFamily="34" charset="-120"/>
-            </a:endParaRPr>
-          </a:p>
-          <a:p>
-            <a:pPr algn="ctr">
-              <a:buNone/>
-            </a:pPr>
-            <a:r>
-              <a:rPr lang="zh-CN" altLang="en-US" sz="5400" b="1" dirty="0" smtClean="0">
-                <a:solidFill>
-                  <a:srgbClr val="000066"/>
-                </a:solidFill>
-                <a:latin typeface="微軟正黑體" pitchFamily="34" charset="-120"/>
-                <a:ea typeface="微軟正黑體" pitchFamily="34" charset="-120"/>
-              </a:rPr>
-              <a:t>耶和華必天天看顧</a:t>
-            </a:r>
-            <a:endParaRPr lang="en-US" altLang="zh-CN" sz="5400" b="1" dirty="0" smtClean="0">
-              <a:solidFill>
-                <a:srgbClr val="000066"/>
-              </a:solidFill>
-              <a:latin typeface="微軟正黑體" pitchFamily="34" charset="-120"/>
-              <a:ea typeface="微軟正黑體" pitchFamily="34" charset="-120"/>
-            </a:endParaRPr>
-          </a:p>
-          <a:p>
-            <a:pPr algn="ctr">
-              <a:buNone/>
-            </a:pPr>
-            <a:r>
-              <a:rPr lang="zh-CN" altLang="en-US" sz="5400" b="1" dirty="0" smtClean="0">
-                <a:solidFill>
-                  <a:srgbClr val="000066"/>
-                </a:solidFill>
-                <a:latin typeface="微軟正黑體" pitchFamily="34" charset="-120"/>
-                <a:ea typeface="微軟正黑體" pitchFamily="34" charset="-120"/>
-              </a:rPr>
-              <a:t>你在家在外 你出你入</a:t>
-            </a:r>
-            <a:endParaRPr lang="en-US" altLang="zh-CN" sz="5400" b="1" dirty="0" smtClean="0">
-              <a:solidFill>
-                <a:srgbClr val="000066"/>
-              </a:solidFill>
-              <a:latin typeface="微軟正黑體" pitchFamily="34" charset="-120"/>
-              <a:ea typeface="微軟正黑體" pitchFamily="34" charset="-120"/>
-            </a:endParaRPr>
-          </a:p>
-          <a:p>
-            <a:pPr algn="ctr">
-              <a:buNone/>
-            </a:pPr>
-            <a:r>
-              <a:rPr lang="zh-CN" altLang="en-US" sz="5400" b="1" dirty="0" smtClean="0">
-                <a:solidFill>
-                  <a:srgbClr val="000066"/>
-                </a:solidFill>
-                <a:latin typeface="微軟正黑體" pitchFamily="34" charset="-120"/>
-                <a:ea typeface="微軟正黑體" pitchFamily="34" charset="-120"/>
-              </a:rPr>
-              <a:t>耶和華必一路保護</a:t>
-            </a:r>
-            <a:endParaRPr lang="zh-TW" altLang="en-US" sz="5400" b="1" dirty="0">
-              <a:solidFill>
-                <a:srgbClr val="000066"/>
-              </a:solidFill>
+              <a:effectLst>
+                <a:outerShdw blurRad="38100" dist="38100" dir="2700000" algn="tl">
+                  <a:srgbClr val="000000">
+                    <a:alpha val="43137"/>
+                  </a:srgbClr>
+                </a:outerShdw>
+              </a:effectLst>
               <a:latin typeface="微軟正黑體" pitchFamily="34" charset="-120"/>
               <a:ea typeface="微軟正黑體" pitchFamily="34" charset="-120"/>
             </a:endParaRPr>
@@ -3237,21 +3149,31 @@
       </p:grpSpPr>
       <p:sp>
         <p:nvSpPr>
-          <p:cNvPr id="4" name="標題 3"/>
-          <p:cNvSpPr>
-            <a:spLocks noGrp="1"/>
-          </p:cNvSpPr>
-          <p:nvPr>
-            <p:ph type="title"/>
-          </p:nvPr>
-        </p:nvSpPr>
-        <p:spPr/>
-        <p:txBody>
-          <a:bodyPr/>
-          <a:lstStyle/>
-          <a:p>
-            <a:r>
-              <a:rPr lang="zh-CN" altLang="en-US" b="1" dirty="0" smtClean="0">
+          <p:cNvPr id="5" name="內容版面配置區 4"/>
+          <p:cNvSpPr>
+            <a:spLocks noGrp="1"/>
+          </p:cNvSpPr>
+          <p:nvPr>
+            <p:ph idx="1"/>
+          </p:nvPr>
+        </p:nvSpPr>
+        <p:spPr>
+          <a:xfrm>
+            <a:off x="0" y="1563638"/>
+            <a:ext cx="9144000" cy="1803647"/>
+          </a:xfrm>
+        </p:spPr>
+        <p:txBody>
+          <a:bodyPr anchor="ctr">
+            <a:normAutofit/>
+          </a:bodyPr>
+          <a:lstStyle/>
+          <a:p>
+            <a:pPr algn="ctr">
+              <a:buNone/>
+            </a:pPr>
+            <a:r>
+              <a:rPr lang="zh-CN" altLang="en-US" sz="4800" b="1" dirty="0">
                 <a:solidFill>
                   <a:srgbClr val="000066"/>
                 </a:solidFill>
@@ -3260,7 +3182,7 @@
               </a:rPr>
               <a:t>我今天為你祝福</a:t>
             </a:r>
-            <a:endParaRPr lang="zh-TW" altLang="en-US" b="1" dirty="0">
+            <a:endParaRPr lang="en-US" altLang="zh-CN" sz="4800" b="1" dirty="0">
               <a:solidFill>
                 <a:srgbClr val="000066"/>
               </a:solidFill>
@@ -3268,49 +3190,103 @@
               <a:ea typeface="微軟正黑體" pitchFamily="34" charset="-120"/>
             </a:endParaRPr>
           </a:p>
-        </p:txBody>
-      </p:sp>
-      <p:sp>
-        <p:nvSpPr>
-          <p:cNvPr id="5" name="內容版面配置區 4"/>
-          <p:cNvSpPr>
-            <a:spLocks noGrp="1"/>
-          </p:cNvSpPr>
-          <p:nvPr>
-            <p:ph idx="1"/>
-          </p:nvPr>
-        </p:nvSpPr>
-        <p:spPr/>
-        <p:txBody>
-          <a:bodyPr>
-            <a:normAutofit fontScale="92500" lnSpcReduction="10000"/>
-          </a:bodyPr>
-          <a:lstStyle/>
           <a:p>
             <a:pPr algn="ctr">
               <a:buNone/>
             </a:pPr>
             <a:r>
-              <a:rPr lang="zh-CN" altLang="en-US" sz="5400" b="1" smtClean="0">
+              <a:rPr lang="zh-CN" altLang="en-US" sz="4800" b="1" dirty="0">
                 <a:solidFill>
                   <a:srgbClr val="000066"/>
                 </a:solidFill>
                 <a:latin typeface="微軟正黑體" pitchFamily="34" charset="-120"/>
                 <a:ea typeface="微軟正黑體" pitchFamily="34" charset="-120"/>
               </a:rPr>
-              <a:t>你當除去</a:t>
-            </a:r>
-            <a:r>
-              <a:rPr lang="zh-CN" altLang="en-US" sz="5400" b="1" dirty="0" smtClean="0">
+              <a:t>耶和華必天天看顧</a:t>
+            </a:r>
+            <a:endParaRPr lang="en-US" altLang="zh-CN" sz="4800" b="1" dirty="0">
+              <a:solidFill>
+                <a:srgbClr val="000066"/>
+              </a:solidFill>
+              <a:latin typeface="微軟正黑體" pitchFamily="34" charset="-120"/>
+              <a:ea typeface="微軟正黑體" pitchFamily="34" charset="-120"/>
+            </a:endParaRPr>
+          </a:p>
+        </p:txBody>
+      </p:sp>
+    </p:spTree>
+  </p:cSld>
+  <p:clrMapOvr>
+    <a:masterClrMapping/>
+  </p:clrMapOvr>
+</p:sld>
+</file>
+
+<file path=ppt/slides/slide3.xml><?xml version="1.0" encoding="utf-8"?>
+<p:sld xmlns:a="http://schemas.openxmlformats.org/drawingml/2006/main" xmlns:r="http://schemas.openxmlformats.org/officeDocument/2006/relationships" xmlns:p="http://schemas.openxmlformats.org/presentationml/2006/main">
+  <p:cSld>
+    <p:spTree>
+      <p:nvGrpSpPr>
+        <p:cNvPr id="1" name="">
+          <a:extLst>
+            <a:ext uri="{FF2B5EF4-FFF2-40B4-BE49-F238E27FC236}">
+              <a16:creationId xmlns:a16="http://schemas.microsoft.com/office/drawing/2014/main" id="{652FEEE5-37C9-E907-5EB3-3597FD7A415E}"/>
+            </a:ext>
+          </a:extLst>
+        </p:cNvPr>
+        <p:cNvGrpSpPr/>
+        <p:nvPr/>
+      </p:nvGrpSpPr>
+      <p:grpSpPr>
+        <a:xfrm>
+          <a:off x="0" y="0"/>
+          <a:ext cx="0" cy="0"/>
+          <a:chOff x="0" y="0"/>
+          <a:chExt cx="0" cy="0"/>
+        </a:xfrm>
+      </p:grpSpPr>
+      <p:sp>
+        <p:nvSpPr>
+          <p:cNvPr id="5" name="內容版面配置區 4">
+            <a:extLst>
+              <a:ext uri="{FF2B5EF4-FFF2-40B4-BE49-F238E27FC236}">
+                <a16:creationId xmlns:a16="http://schemas.microsoft.com/office/drawing/2014/main" id="{0C86B07F-C4AB-4622-F04D-21399A82CF27}"/>
+              </a:ext>
+            </a:extLst>
+          </p:cNvPr>
+          <p:cNvSpPr>
+            <a:spLocks noGrp="1"/>
+          </p:cNvSpPr>
+          <p:nvPr>
+            <p:ph idx="1"/>
+          </p:nvPr>
+        </p:nvSpPr>
+        <p:spPr>
+          <a:xfrm>
+            <a:off x="0" y="1563638"/>
+            <a:ext cx="9144000" cy="1803647"/>
+          </a:xfrm>
+        </p:spPr>
+        <p:txBody>
+          <a:bodyPr anchor="ctr">
+            <a:normAutofit/>
+          </a:bodyPr>
+          <a:lstStyle/>
+          <a:p>
+            <a:pPr algn="ctr">
+              <a:buNone/>
+            </a:pPr>
+            <a:r>
+              <a:rPr lang="zh-CN" altLang="en-US" sz="4800" b="1" dirty="0">
                 <a:solidFill>
                   <a:srgbClr val="000066"/>
                 </a:solidFill>
                 <a:latin typeface="微軟正黑體" pitchFamily="34" charset="-120"/>
                 <a:ea typeface="微軟正黑體" pitchFamily="34" charset="-120"/>
               </a:rPr>
-              <a:t>恐懼的心</a:t>
-            </a:r>
-            <a:endParaRPr lang="en-US" altLang="zh-CN" sz="5400" b="1" dirty="0" smtClean="0">
+              <a:t>你在家在外  你出你入</a:t>
+            </a:r>
+            <a:endParaRPr lang="en-US" altLang="zh-CN" sz="4800" b="1" dirty="0">
               <a:solidFill>
                 <a:srgbClr val="000066"/>
               </a:solidFill>
@@ -3323,7 +3299,116 @@
               <a:buNone/>
             </a:pPr>
             <a:r>
-              <a:rPr lang="zh-CN" altLang="en-US" sz="5400" b="1" dirty="0" smtClean="0">
+              <a:rPr lang="zh-CN" altLang="en-US" sz="4800" b="1" dirty="0">
+                <a:solidFill>
+                  <a:srgbClr val="000066"/>
+                </a:solidFill>
+                <a:latin typeface="微軟正黑體" pitchFamily="34" charset="-120"/>
+                <a:ea typeface="微軟正黑體" pitchFamily="34" charset="-120"/>
+              </a:rPr>
+              <a:t>耶和華必一路保護</a:t>
+            </a:r>
+            <a:endParaRPr lang="zh-TW" altLang="en-US" sz="4800" b="1" dirty="0">
+              <a:solidFill>
+                <a:srgbClr val="000066"/>
+              </a:solidFill>
+              <a:latin typeface="微軟正黑體" pitchFamily="34" charset="-120"/>
+              <a:ea typeface="微軟正黑體" pitchFamily="34" charset="-120"/>
+            </a:endParaRPr>
+          </a:p>
+        </p:txBody>
+      </p:sp>
+    </p:spTree>
+    <p:extLst>
+      <p:ext uri="{BB962C8B-B14F-4D97-AF65-F5344CB8AC3E}">
+        <p14:creationId xmlns:p14="http://schemas.microsoft.com/office/powerpoint/2010/main" val="3867092993"/>
+      </p:ext>
+    </p:extLst>
+  </p:cSld>
+  <p:clrMapOvr>
+    <a:masterClrMapping/>
+  </p:clrMapOvr>
+</p:sld>
+</file>
+
+<file path=ppt/slides/slide4.xml><?xml version="1.0" encoding="utf-8"?>
+<p:sld xmlns:a="http://schemas.openxmlformats.org/drawingml/2006/main" xmlns:r="http://schemas.openxmlformats.org/officeDocument/2006/relationships" xmlns:p="http://schemas.openxmlformats.org/presentationml/2006/main">
+  <p:cSld>
+    <p:spTree>
+      <p:nvGrpSpPr>
+        <p:cNvPr id="1" name="">
+          <a:extLst>
+            <a:ext uri="{FF2B5EF4-FFF2-40B4-BE49-F238E27FC236}">
+              <a16:creationId xmlns:a16="http://schemas.microsoft.com/office/drawing/2014/main" id="{F6376B34-9B3A-741A-5B0C-6D90D7A55216}"/>
+            </a:ext>
+          </a:extLst>
+        </p:cNvPr>
+        <p:cNvGrpSpPr/>
+        <p:nvPr/>
+      </p:nvGrpSpPr>
+      <p:grpSpPr>
+        <a:xfrm>
+          <a:off x="0" y="0"/>
+          <a:ext cx="0" cy="0"/>
+          <a:chOff x="0" y="0"/>
+          <a:chExt cx="0" cy="0"/>
+        </a:xfrm>
+      </p:grpSpPr>
+      <p:sp>
+        <p:nvSpPr>
+          <p:cNvPr id="5" name="內容版面配置區 4">
+            <a:extLst>
+              <a:ext uri="{FF2B5EF4-FFF2-40B4-BE49-F238E27FC236}">
+                <a16:creationId xmlns:a16="http://schemas.microsoft.com/office/drawing/2014/main" id="{94D5184C-1CA2-4C03-4693-68B5794425D2}"/>
+              </a:ext>
+            </a:extLst>
+          </p:cNvPr>
+          <p:cNvSpPr>
+            <a:spLocks noGrp="1"/>
+          </p:cNvSpPr>
+          <p:nvPr>
+            <p:ph idx="1"/>
+          </p:nvPr>
+        </p:nvSpPr>
+        <p:spPr>
+          <a:xfrm>
+            <a:off x="0" y="1563638"/>
+            <a:ext cx="9144000" cy="1803647"/>
+          </a:xfrm>
+        </p:spPr>
+        <p:txBody>
+          <a:bodyPr anchor="ctr">
+            <a:normAutofit/>
+          </a:bodyPr>
+          <a:lstStyle/>
+          <a:p>
+            <a:pPr algn="ctr">
+              <a:buNone/>
+            </a:pPr>
+            <a:r>
+              <a:rPr lang="zh-CN" altLang="en-US" sz="4800" b="1" dirty="0">
+                <a:solidFill>
+                  <a:srgbClr val="000066"/>
+                </a:solidFill>
+                <a:latin typeface="微軟正黑體" pitchFamily="34" charset="-120"/>
+                <a:ea typeface="微軟正黑體" pitchFamily="34" charset="-120"/>
+              </a:rPr>
+              <a:t>你當除去恐懼的心</a:t>
+            </a:r>
+            <a:endParaRPr lang="en-US" altLang="zh-CN" sz="4800" b="1" dirty="0">
+              <a:solidFill>
+                <a:srgbClr val="000066"/>
+              </a:solidFill>
+              <a:latin typeface="微軟正黑體" pitchFamily="34" charset="-120"/>
+              <a:ea typeface="微軟正黑體" pitchFamily="34" charset="-120"/>
+            </a:endParaRPr>
+          </a:p>
+          <a:p>
+            <a:pPr algn="ctr">
+              <a:buNone/>
+            </a:pPr>
+            <a:r>
+              <a:rPr lang="zh-CN" altLang="en-US" sz="4800" b="1" dirty="0">
                 <a:solidFill>
                   <a:srgbClr val="000066"/>
                 </a:solidFill>
@@ -3332,7 +3417,7 @@
               </a:rPr>
               <a:t>因為這不是從神而來</a:t>
             </a:r>
-            <a:endParaRPr lang="en-US" altLang="zh-CN" sz="5400" b="1" dirty="0" smtClean="0">
+            <a:endParaRPr lang="en-US" altLang="zh-CN" sz="4800" b="1" dirty="0">
               <a:solidFill>
                 <a:srgbClr val="000066"/>
               </a:solidFill>
@@ -3340,12 +3425,77 @@
               <a:ea typeface="微軟正黑體" pitchFamily="34" charset="-120"/>
             </a:endParaRPr>
           </a:p>
+        </p:txBody>
+      </p:sp>
+    </p:spTree>
+    <p:extLst>
+      <p:ext uri="{BB962C8B-B14F-4D97-AF65-F5344CB8AC3E}">
+        <p14:creationId xmlns:p14="http://schemas.microsoft.com/office/powerpoint/2010/main" val="3752074440"/>
+      </p:ext>
+    </p:extLst>
+  </p:cSld>
+  <p:clrMapOvr>
+    <a:masterClrMapping/>
+  </p:clrMapOvr>
+</p:sld>
+</file>
+
+<file path=ppt/slides/slide5.xml><?xml version="1.0" encoding="utf-8"?>
+<p:sld xmlns:a="http://schemas.openxmlformats.org/drawingml/2006/main" xmlns:r="http://schemas.openxmlformats.org/officeDocument/2006/relationships" xmlns:p="http://schemas.openxmlformats.org/presentationml/2006/main">
+  <p:cSld>
+    <p:spTree>
+      <p:nvGrpSpPr>
+        <p:cNvPr id="1" name="">
+          <a:extLst>
+            <a:ext uri="{FF2B5EF4-FFF2-40B4-BE49-F238E27FC236}">
+              <a16:creationId xmlns:a16="http://schemas.microsoft.com/office/drawing/2014/main" id="{B19D67C3-F207-600D-13EB-447F956D90A5}"/>
+            </a:ext>
+          </a:extLst>
+        </p:cNvPr>
+        <p:cNvGrpSpPr/>
+        <p:nvPr/>
+      </p:nvGrpSpPr>
+      <p:grpSpPr>
+        <a:xfrm>
+          <a:off x="0" y="0"/>
+          <a:ext cx="0" cy="0"/>
+          <a:chOff x="0" y="0"/>
+          <a:chExt cx="0" cy="0"/>
+        </a:xfrm>
+      </p:grpSpPr>
+      <p:sp>
+        <p:nvSpPr>
+          <p:cNvPr id="5" name="內容版面配置區 4">
+            <a:extLst>
+              <a:ext uri="{FF2B5EF4-FFF2-40B4-BE49-F238E27FC236}">
+                <a16:creationId xmlns:a16="http://schemas.microsoft.com/office/drawing/2014/main" id="{E26FB6D7-DDCB-A7BD-7BD1-C15AAF032E09}"/>
+              </a:ext>
+            </a:extLst>
+          </p:cNvPr>
+          <p:cNvSpPr>
+            <a:spLocks noGrp="1"/>
+          </p:cNvSpPr>
+          <p:nvPr>
+            <p:ph idx="1"/>
+          </p:nvPr>
+        </p:nvSpPr>
+        <p:spPr>
+          <a:xfrm>
+            <a:off x="0" y="1563638"/>
+            <a:ext cx="9144000" cy="1803647"/>
+          </a:xfrm>
+        </p:spPr>
+        <p:txBody>
+          <a:bodyPr anchor="ctr">
+            <a:normAutofit/>
+          </a:bodyPr>
+          <a:lstStyle/>
           <a:p>
             <a:pPr algn="ctr">
               <a:buNone/>
             </a:pPr>
             <a:r>
-              <a:rPr lang="zh-CN" altLang="en-US" sz="5400" b="1" dirty="0" smtClean="0">
+              <a:rPr lang="zh-CN" altLang="en-US" sz="4800" b="1" dirty="0">
                 <a:solidFill>
                   <a:srgbClr val="000066"/>
                 </a:solidFill>
@@ -3354,7 +3504,7 @@
               </a:rPr>
               <a:t>靠著耶穌永不動搖</a:t>
             </a:r>
-            <a:endParaRPr lang="en-US" altLang="zh-CN" sz="5400" b="1" dirty="0" smtClean="0">
+            <a:endParaRPr lang="en-US" altLang="zh-CN" sz="4800" b="1" dirty="0">
               <a:solidFill>
                 <a:srgbClr val="000066"/>
               </a:solidFill>
@@ -3367,7 +3517,7 @@
               <a:buNone/>
             </a:pPr>
             <a:r>
-              <a:rPr lang="zh-CN" altLang="en-US" sz="5400" b="1" dirty="0" smtClean="0">
+              <a:rPr lang="zh-CN" altLang="en-US" sz="4800" b="1" dirty="0">
                 <a:solidFill>
                   <a:srgbClr val="000066"/>
                 </a:solidFill>
@@ -3376,7 +3526,7 @@
               </a:rPr>
               <a:t>我們一生蒙了大福</a:t>
             </a:r>
-            <a:endParaRPr lang="zh-TW" altLang="en-US" sz="5400" b="1" dirty="0">
+            <a:endParaRPr lang="zh-TW" altLang="en-US" sz="4800" b="1" dirty="0">
               <a:solidFill>
                 <a:srgbClr val="000066"/>
               </a:solidFill>
@@ -3387,6 +3537,11 @@
         </p:txBody>
       </p:sp>
     </p:spTree>
+    <p:extLst>
+      <p:ext uri="{BB962C8B-B14F-4D97-AF65-F5344CB8AC3E}">
+        <p14:creationId xmlns:p14="http://schemas.microsoft.com/office/powerpoint/2010/main" val="2724655334"/>
+      </p:ext>
+    </p:extLst>
   </p:cSld>
   <p:clrMapOvr>
     <a:masterClrMapping/>
